--- a/BeatSlime design repo/비트슬라임 게임제안서.pptx
+++ b/BeatSlime design repo/비트슬라임 게임제안서.pptx
@@ -281,7 +281,7 @@
           <a:p>
             <a:fld id="{47D96AAF-40E3-4D6C-821E-65A0F5616319}" type="datetimeFigureOut">
               <a:rPr lang="ko-KR" altLang="en-US" smtClean="0"/>
-              <a:t>2021-12-11</a:t>
+              <a:t>2021-12-12</a:t>
             </a:fld>
             <a:endParaRPr lang="ko-KR" altLang="en-US"/>
           </a:p>
@@ -479,7 +479,7 @@
           <a:p>
             <a:fld id="{47D96AAF-40E3-4D6C-821E-65A0F5616319}" type="datetimeFigureOut">
               <a:rPr lang="ko-KR" altLang="en-US" smtClean="0"/>
-              <a:t>2021-12-11</a:t>
+              <a:t>2021-12-12</a:t>
             </a:fld>
             <a:endParaRPr lang="ko-KR" altLang="en-US"/>
           </a:p>
@@ -687,7 +687,7 @@
           <a:p>
             <a:fld id="{47D96AAF-40E3-4D6C-821E-65A0F5616319}" type="datetimeFigureOut">
               <a:rPr lang="ko-KR" altLang="en-US" smtClean="0"/>
-              <a:t>2021-12-11</a:t>
+              <a:t>2021-12-12</a:t>
             </a:fld>
             <a:endParaRPr lang="ko-KR" altLang="en-US"/>
           </a:p>
@@ -885,7 +885,7 @@
           <a:p>
             <a:fld id="{47D96AAF-40E3-4D6C-821E-65A0F5616319}" type="datetimeFigureOut">
               <a:rPr lang="ko-KR" altLang="en-US" smtClean="0"/>
-              <a:t>2021-12-11</a:t>
+              <a:t>2021-12-12</a:t>
             </a:fld>
             <a:endParaRPr lang="ko-KR" altLang="en-US"/>
           </a:p>
@@ -1160,7 +1160,7 @@
           <a:p>
             <a:fld id="{47D96AAF-40E3-4D6C-821E-65A0F5616319}" type="datetimeFigureOut">
               <a:rPr lang="ko-KR" altLang="en-US" smtClean="0"/>
-              <a:t>2021-12-11</a:t>
+              <a:t>2021-12-12</a:t>
             </a:fld>
             <a:endParaRPr lang="ko-KR" altLang="en-US"/>
           </a:p>
@@ -1425,7 +1425,7 @@
           <a:p>
             <a:fld id="{47D96AAF-40E3-4D6C-821E-65A0F5616319}" type="datetimeFigureOut">
               <a:rPr lang="ko-KR" altLang="en-US" smtClean="0"/>
-              <a:t>2021-12-11</a:t>
+              <a:t>2021-12-12</a:t>
             </a:fld>
             <a:endParaRPr lang="ko-KR" altLang="en-US"/>
           </a:p>
@@ -1837,7 +1837,7 @@
           <a:p>
             <a:fld id="{47D96AAF-40E3-4D6C-821E-65A0F5616319}" type="datetimeFigureOut">
               <a:rPr lang="ko-KR" altLang="en-US" smtClean="0"/>
-              <a:t>2021-12-11</a:t>
+              <a:t>2021-12-12</a:t>
             </a:fld>
             <a:endParaRPr lang="ko-KR" altLang="en-US"/>
           </a:p>
@@ -1978,7 +1978,7 @@
           <a:p>
             <a:fld id="{47D96AAF-40E3-4D6C-821E-65A0F5616319}" type="datetimeFigureOut">
               <a:rPr lang="ko-KR" altLang="en-US" smtClean="0"/>
-              <a:t>2021-12-11</a:t>
+              <a:t>2021-12-12</a:t>
             </a:fld>
             <a:endParaRPr lang="ko-KR" altLang="en-US"/>
           </a:p>
@@ -2091,7 +2091,7 @@
           <a:p>
             <a:fld id="{47D96AAF-40E3-4D6C-821E-65A0F5616319}" type="datetimeFigureOut">
               <a:rPr lang="ko-KR" altLang="en-US" smtClean="0"/>
-              <a:t>2021-12-11</a:t>
+              <a:t>2021-12-12</a:t>
             </a:fld>
             <a:endParaRPr lang="ko-KR" altLang="en-US"/>
           </a:p>
@@ -2402,7 +2402,7 @@
           <a:p>
             <a:fld id="{47D96AAF-40E3-4D6C-821E-65A0F5616319}" type="datetimeFigureOut">
               <a:rPr lang="ko-KR" altLang="en-US" smtClean="0"/>
-              <a:t>2021-12-11</a:t>
+              <a:t>2021-12-12</a:t>
             </a:fld>
             <a:endParaRPr lang="ko-KR" altLang="en-US"/>
           </a:p>
@@ -2690,7 +2690,7 @@
           <a:p>
             <a:fld id="{47D96AAF-40E3-4D6C-821E-65A0F5616319}" type="datetimeFigureOut">
               <a:rPr lang="ko-KR" altLang="en-US" smtClean="0"/>
-              <a:t>2021-12-11</a:t>
+              <a:t>2021-12-12</a:t>
             </a:fld>
             <a:endParaRPr lang="ko-KR" altLang="en-US"/>
           </a:p>
@@ -2931,7 +2931,7 @@
           <a:p>
             <a:fld id="{47D96AAF-40E3-4D6C-821E-65A0F5616319}" type="datetimeFigureOut">
               <a:rPr lang="ko-KR" altLang="en-US" smtClean="0"/>
-              <a:t>2021-12-11</a:t>
+              <a:t>2021-12-12</a:t>
             </a:fld>
             <a:endParaRPr lang="ko-KR" altLang="en-US"/>
           </a:p>
@@ -3427,8 +3427,8 @@
         </p:nvSpPr>
         <p:spPr>
           <a:xfrm>
-            <a:off x="3710896" y="3606234"/>
-            <a:ext cx="4770208" cy="400110"/>
+            <a:off x="7293415" y="5375949"/>
+            <a:ext cx="4770208" cy="1015663"/>
           </a:xfrm>
           <a:prstGeom prst="rect">
             <a:avLst/>
@@ -3443,16 +3443,28 @@
           <a:p>
             <a:pPr algn="ctr"/>
             <a:r>
+              <a:rPr lang="en-US" altLang="ko-KR" sz="2000" dirty="0">
+                <a:latin typeface="+mn-ea"/>
+              </a:rPr>
+              <a:t>2017180003 </a:t>
+            </a:r>
+            <a:r>
               <a:rPr lang="ko-KR" altLang="en-US" sz="2000" dirty="0">
                 <a:latin typeface="+mn-ea"/>
               </a:rPr>
               <a:t>김민규</a:t>
             </a:r>
+            <a:endParaRPr lang="en-US" altLang="ko-KR" sz="2000" dirty="0">
+              <a:latin typeface="+mn-ea"/>
+            </a:endParaRPr>
+          </a:p>
+          <a:p>
+            <a:pPr algn="ctr"/>
             <a:r>
               <a:rPr lang="en-US" altLang="ko-KR" sz="2000" dirty="0">
                 <a:latin typeface="+mn-ea"/>
               </a:rPr>
-              <a:t>, </a:t>
+              <a:t>2017180009 </a:t>
             </a:r>
             <a:r>
               <a:rPr lang="ko-KR" altLang="en-US" sz="2000" dirty="0" err="1">
@@ -3460,11 +3472,17 @@
               </a:rPr>
               <a:t>남주영</a:t>
             </a:r>
+            <a:endParaRPr lang="en-US" altLang="ko-KR" sz="2000" dirty="0">
+              <a:latin typeface="+mn-ea"/>
+            </a:endParaRPr>
+          </a:p>
+          <a:p>
+            <a:pPr algn="ctr"/>
             <a:r>
               <a:rPr lang="en-US" altLang="ko-KR" sz="2000" dirty="0">
                 <a:latin typeface="+mn-ea"/>
               </a:rPr>
-              <a:t>, </a:t>
+              <a:t>2017180021 </a:t>
             </a:r>
             <a:r>
               <a:rPr lang="ko-KR" altLang="en-US" sz="2000" dirty="0" err="1">
@@ -3475,6 +3493,228 @@
             <a:endParaRPr lang="en-US" altLang="ko-KR" sz="2000" dirty="0">
               <a:latin typeface="+mn-ea"/>
             </a:endParaRPr>
+          </a:p>
+        </p:txBody>
+      </p:sp>
+      <p:sp>
+        <p:nvSpPr>
+          <p:cNvPr id="4" name="Google Shape;55;p13">
+            <a:extLst>
+              <a:ext uri="{FF2B5EF4-FFF2-40B4-BE49-F238E27FC236}">
+                <a16:creationId xmlns:a16="http://schemas.microsoft.com/office/drawing/2014/main" id="{E22626D6-7C5B-49DF-AF7C-8CDED08085CF}"/>
+              </a:ext>
+            </a:extLst>
+          </p:cNvPr>
+          <p:cNvSpPr txBox="1"/>
+          <p:nvPr/>
+        </p:nvSpPr>
+        <p:spPr>
+          <a:xfrm>
+            <a:off x="281929" y="5698706"/>
+            <a:ext cx="1480200" cy="858600"/>
+          </a:xfrm>
+          <a:prstGeom prst="rect">
+            <a:avLst/>
+          </a:prstGeom>
+          <a:noFill/>
+          <a:ln>
+            <a:noFill/>
+          </a:ln>
+        </p:spPr>
+        <p:txBody>
+          <a:bodyPr spcFirstLastPara="1" wrap="square" lIns="91425" tIns="91425" rIns="91425" bIns="91425" anchor="t" anchorCtr="0">
+            <a:noAutofit/>
+          </a:bodyPr>
+          <a:lstStyle/>
+          <a:p>
+            <a:pPr marL="0" lvl="0" indent="0" algn="l" rtl="0">
+              <a:spcBef>
+                <a:spcPts val="0"/>
+              </a:spcBef>
+              <a:spcAft>
+                <a:spcPts val="0"/>
+              </a:spcAft>
+              <a:buNone/>
+            </a:pPr>
+            <a:endParaRPr/>
+          </a:p>
+        </p:txBody>
+      </p:sp>
+      <p:sp>
+        <p:nvSpPr>
+          <p:cNvPr id="5" name="Google Shape;58;p13">
+            <a:extLst>
+              <a:ext uri="{FF2B5EF4-FFF2-40B4-BE49-F238E27FC236}">
+                <a16:creationId xmlns:a16="http://schemas.microsoft.com/office/drawing/2014/main" id="{781C4570-6BF3-4BCE-ACD5-C8816DA9827E}"/>
+              </a:ext>
+            </a:extLst>
+          </p:cNvPr>
+          <p:cNvSpPr/>
+          <p:nvPr/>
+        </p:nvSpPr>
+        <p:spPr>
+          <a:xfrm>
+            <a:off x="233779" y="5276880"/>
+            <a:ext cx="2067166" cy="1213800"/>
+          </a:xfrm>
+          <a:prstGeom prst="roundRect">
+            <a:avLst>
+              <a:gd name="adj" fmla="val 16667"/>
+            </a:avLst>
+          </a:prstGeom>
+          <a:solidFill>
+            <a:srgbClr val="FFFFFF"/>
+          </a:solidFill>
+          <a:ln w="9525" cap="flat" cmpd="sng">
+            <a:solidFill>
+              <a:schemeClr val="dk2"/>
+            </a:solidFill>
+            <a:prstDash val="solid"/>
+            <a:round/>
+            <a:headEnd type="none" w="sm" len="sm"/>
+            <a:tailEnd type="none" w="sm" len="sm"/>
+          </a:ln>
+        </p:spPr>
+        <p:txBody>
+          <a:bodyPr spcFirstLastPara="1" wrap="square" lIns="91425" tIns="91425" rIns="91425" bIns="91425" anchor="ctr" anchorCtr="0">
+            <a:noAutofit/>
+          </a:bodyPr>
+          <a:lstStyle/>
+          <a:p>
+            <a:pPr marL="0" lvl="0" indent="0" algn="l" rtl="0">
+              <a:spcBef>
+                <a:spcPts val="0"/>
+              </a:spcBef>
+              <a:spcAft>
+                <a:spcPts val="0"/>
+              </a:spcAft>
+              <a:buNone/>
+            </a:pPr>
+            <a:endParaRPr/>
+          </a:p>
+        </p:txBody>
+      </p:sp>
+      <p:sp>
+        <p:nvSpPr>
+          <p:cNvPr id="6" name="Google Shape;59;p13">
+            <a:extLst>
+              <a:ext uri="{FF2B5EF4-FFF2-40B4-BE49-F238E27FC236}">
+                <a16:creationId xmlns:a16="http://schemas.microsoft.com/office/drawing/2014/main" id="{881C1CEE-D9E4-4717-82BC-54A49AF954BC}"/>
+              </a:ext>
+            </a:extLst>
+          </p:cNvPr>
+          <p:cNvSpPr txBox="1"/>
+          <p:nvPr/>
+        </p:nvSpPr>
+        <p:spPr>
+          <a:xfrm>
+            <a:off x="281854" y="5395406"/>
+            <a:ext cx="1971016" cy="340200"/>
+          </a:xfrm>
+          <a:prstGeom prst="rect">
+            <a:avLst/>
+          </a:prstGeom>
+          <a:noFill/>
+          <a:ln>
+            <a:noFill/>
+          </a:ln>
+        </p:spPr>
+        <p:txBody>
+          <a:bodyPr spcFirstLastPara="1" wrap="square" lIns="91425" tIns="91425" rIns="91425" bIns="91425" anchor="t" anchorCtr="0">
+            <a:noAutofit/>
+          </a:bodyPr>
+          <a:lstStyle/>
+          <a:p>
+            <a:pPr marL="0" lvl="0" indent="0" algn="l" rtl="0">
+              <a:spcBef>
+                <a:spcPts val="0"/>
+              </a:spcBef>
+              <a:spcAft>
+                <a:spcPts val="0"/>
+              </a:spcAft>
+              <a:buNone/>
+            </a:pPr>
+            <a:r>
+              <a:rPr lang="ko" dirty="0"/>
+              <a:t>Professor. </a:t>
+            </a:r>
+            <a:r>
+              <a:rPr lang="ko-KR" altLang="en-US" dirty="0" err="1"/>
+              <a:t>정내훈</a:t>
+            </a:r>
+            <a:endParaRPr dirty="0"/>
+          </a:p>
+        </p:txBody>
+      </p:sp>
+      <p:sp>
+        <p:nvSpPr>
+          <p:cNvPr id="11" name="Google Shape;54;p13">
+            <a:extLst>
+              <a:ext uri="{FF2B5EF4-FFF2-40B4-BE49-F238E27FC236}">
+                <a16:creationId xmlns:a16="http://schemas.microsoft.com/office/drawing/2014/main" id="{CBE2A85A-11E6-4F49-9833-DD80DAA928B2}"/>
+              </a:ext>
+            </a:extLst>
+          </p:cNvPr>
+          <p:cNvSpPr txBox="1"/>
+          <p:nvPr/>
+        </p:nvSpPr>
+        <p:spPr>
+          <a:xfrm>
+            <a:off x="233779" y="3251766"/>
+            <a:ext cx="1528350" cy="436800"/>
+          </a:xfrm>
+          <a:prstGeom prst="rect">
+            <a:avLst/>
+          </a:prstGeom>
+          <a:noFill/>
+          <a:ln>
+            <a:noFill/>
+          </a:ln>
+        </p:spPr>
+        <p:txBody>
+          <a:bodyPr spcFirstLastPara="1" wrap="square" lIns="91425" tIns="91425" rIns="91425" bIns="91425" anchor="t" anchorCtr="0">
+            <a:noAutofit/>
+          </a:bodyPr>
+          <a:lstStyle/>
+          <a:p>
+            <a:pPr marL="0" lvl="0" indent="0" algn="l" rtl="0">
+              <a:spcBef>
+                <a:spcPts val="0"/>
+              </a:spcBef>
+              <a:spcAft>
+                <a:spcPts val="0"/>
+              </a:spcAft>
+              <a:buNone/>
+            </a:pPr>
+            <a:r>
+              <a:rPr lang="ko" sz="1000" dirty="0"/>
+              <a:t>20</a:t>
+            </a:r>
+            <a:r>
+              <a:rPr lang="en-US" altLang="ko" sz="1000" dirty="0"/>
+              <a:t>21</a:t>
+            </a:r>
+            <a:r>
+              <a:rPr lang="ko" sz="1000" dirty="0"/>
+              <a:t>년도</a:t>
+            </a:r>
+            <a:endParaRPr sz="1000" dirty="0"/>
+          </a:p>
+          <a:p>
+            <a:pPr marL="0" lvl="0" indent="0" algn="l" rtl="0">
+              <a:spcBef>
+                <a:spcPts val="0"/>
+              </a:spcBef>
+              <a:spcAft>
+                <a:spcPts val="0"/>
+              </a:spcAft>
+              <a:buNone/>
+            </a:pPr>
+            <a:r>
+              <a:rPr lang="ko" sz="1000" dirty="0"/>
+              <a:t>졸업작품 기획발표</a:t>
+            </a:r>
+            <a:endParaRPr sz="1000" dirty="0"/>
           </a:p>
         </p:txBody>
       </p:sp>
